--- a/CalendarioAgo2022/presentaciones/4_Jerarquia.pptx
+++ b/CalendarioAgo2022/presentaciones/4_Jerarquia.pptx
@@ -225,7 +225,7 @@
           <a:p>
             <a:fld id="{2D445F07-8756-451B-A938-0248325FC7BB}" type="datetimeFigureOut">
               <a:rPr lang="es-MX" smtClean="0"/>
-              <a:t>16/02/2022</a:t>
+              <a:t>02/08/2022</a:t>
             </a:fld>
             <a:endParaRPr lang="es-MX" dirty="0"/>
           </a:p>
@@ -1430,7 +1430,7 @@
           <a:p>
             <a:fld id="{5E75A0DC-66C6-4CEC-A5EB-F8C97CEC3796}" type="datetimeFigureOut">
               <a:rPr lang="es-MX" smtClean="0"/>
-              <a:t>16/02/2022</a:t>
+              <a:t>02/08/2022</a:t>
             </a:fld>
             <a:endParaRPr lang="es-MX" dirty="0"/>
           </a:p>
@@ -1600,7 +1600,7 @@
           <a:p>
             <a:fld id="{5E75A0DC-66C6-4CEC-A5EB-F8C97CEC3796}" type="datetimeFigureOut">
               <a:rPr lang="es-MX" smtClean="0"/>
-              <a:t>16/02/2022</a:t>
+              <a:t>02/08/2022</a:t>
             </a:fld>
             <a:endParaRPr lang="es-MX" dirty="0"/>
           </a:p>
@@ -1780,7 +1780,7 @@
           <a:p>
             <a:fld id="{5E75A0DC-66C6-4CEC-A5EB-F8C97CEC3796}" type="datetimeFigureOut">
               <a:rPr lang="es-MX" smtClean="0"/>
-              <a:t>16/02/2022</a:t>
+              <a:t>02/08/2022</a:t>
             </a:fld>
             <a:endParaRPr lang="es-MX" dirty="0"/>
           </a:p>
@@ -1933,7 +1933,7 @@
           <a:p>
             <a:fld id="{1D8BD707-D9CF-40AE-B4C6-C98DA3205C09}" type="datetimeFigureOut">
               <a:rPr lang="en-US" smtClean="0"/>
-              <a:t>2/16/2022</a:t>
+              <a:t>8/2/2022</a:t>
             </a:fld>
             <a:endParaRPr lang="en-US"/>
           </a:p>
@@ -2057,7 +2057,7 @@
           <a:p>
             <a:fld id="{1D8BD707-D9CF-40AE-B4C6-C98DA3205C09}" type="datetimeFigureOut">
               <a:rPr lang="en-US" smtClean="0"/>
-              <a:t>2/16/2022</a:t>
+              <a:t>8/2/2022</a:t>
             </a:fld>
             <a:endParaRPr lang="en-US" dirty="0"/>
           </a:p>
@@ -2217,7 +2217,7 @@
           <a:p>
             <a:fld id="{5E75A0DC-66C6-4CEC-A5EB-F8C97CEC3796}" type="datetimeFigureOut">
               <a:rPr lang="es-MX" smtClean="0"/>
-              <a:t>16/02/2022</a:t>
+              <a:t>02/08/2022</a:t>
             </a:fld>
             <a:endParaRPr lang="es-MX" dirty="0"/>
           </a:p>
@@ -2463,7 +2463,7 @@
           <a:p>
             <a:fld id="{5E75A0DC-66C6-4CEC-A5EB-F8C97CEC3796}" type="datetimeFigureOut">
               <a:rPr lang="es-MX" smtClean="0"/>
-              <a:t>16/02/2022</a:t>
+              <a:t>02/08/2022</a:t>
             </a:fld>
             <a:endParaRPr lang="es-MX" dirty="0"/>
           </a:p>
@@ -2751,7 +2751,7 @@
           <a:p>
             <a:fld id="{5E75A0DC-66C6-4CEC-A5EB-F8C97CEC3796}" type="datetimeFigureOut">
               <a:rPr lang="es-MX" smtClean="0"/>
-              <a:t>16/02/2022</a:t>
+              <a:t>02/08/2022</a:t>
             </a:fld>
             <a:endParaRPr lang="es-MX" dirty="0"/>
           </a:p>
@@ -3173,7 +3173,7 @@
           <a:p>
             <a:fld id="{5E75A0DC-66C6-4CEC-A5EB-F8C97CEC3796}" type="datetimeFigureOut">
               <a:rPr lang="es-MX" smtClean="0"/>
-              <a:t>16/02/2022</a:t>
+              <a:t>02/08/2022</a:t>
             </a:fld>
             <a:endParaRPr lang="es-MX" dirty="0"/>
           </a:p>
@@ -3291,7 +3291,7 @@
           <a:p>
             <a:fld id="{5E75A0DC-66C6-4CEC-A5EB-F8C97CEC3796}" type="datetimeFigureOut">
               <a:rPr lang="es-MX" smtClean="0"/>
-              <a:t>16/02/2022</a:t>
+              <a:t>02/08/2022</a:t>
             </a:fld>
             <a:endParaRPr lang="es-MX" dirty="0"/>
           </a:p>
@@ -3386,7 +3386,7 @@
           <a:p>
             <a:fld id="{5E75A0DC-66C6-4CEC-A5EB-F8C97CEC3796}" type="datetimeFigureOut">
               <a:rPr lang="es-MX" smtClean="0"/>
-              <a:t>16/02/2022</a:t>
+              <a:t>02/08/2022</a:t>
             </a:fld>
             <a:endParaRPr lang="es-MX" dirty="0"/>
           </a:p>
@@ -3663,7 +3663,7 @@
           <a:p>
             <a:fld id="{5E75A0DC-66C6-4CEC-A5EB-F8C97CEC3796}" type="datetimeFigureOut">
               <a:rPr lang="es-MX" smtClean="0"/>
-              <a:t>16/02/2022</a:t>
+              <a:t>02/08/2022</a:t>
             </a:fld>
             <a:endParaRPr lang="es-MX" dirty="0"/>
           </a:p>
@@ -3916,7 +3916,7 @@
           <a:p>
             <a:fld id="{5E75A0DC-66C6-4CEC-A5EB-F8C97CEC3796}" type="datetimeFigureOut">
               <a:rPr lang="es-MX" smtClean="0"/>
-              <a:t>16/02/2022</a:t>
+              <a:t>02/08/2022</a:t>
             </a:fld>
             <a:endParaRPr lang="es-MX" dirty="0"/>
           </a:p>
@@ -4129,7 +4129,7 @@
           <a:p>
             <a:fld id="{5E75A0DC-66C6-4CEC-A5EB-F8C97CEC3796}" type="datetimeFigureOut">
               <a:rPr lang="es-MX" smtClean="0"/>
-              <a:t>16/02/2022</a:t>
+              <a:t>02/08/2022</a:t>
             </a:fld>
             <a:endParaRPr lang="es-MX" dirty="0"/>
           </a:p>
@@ -4518,8 +4518,8 @@
         </p:nvSpPr>
         <p:spPr>
           <a:xfrm>
-            <a:off x="1045840" y="332656"/>
-            <a:ext cx="7342584" cy="1470025"/>
+            <a:off x="683568" y="332656"/>
+            <a:ext cx="7630616" cy="1470025"/>
           </a:xfrm>
         </p:spPr>
         <p:txBody>
@@ -4542,7 +4542,7 @@
                   </a:schemeClr>
                 </a:solidFill>
               </a:rPr>
-              <a:t>TC1028 </a:t>
+              <a:t>TC 3001 C </a:t>
             </a:r>
             <a:br>
               <a:rPr lang="es-MX" sz="3200" dirty="0">
@@ -4561,7 +4561,7 @@
                   </a:schemeClr>
                 </a:solidFill>
               </a:rPr>
-              <a:t>Pensamiento Computacional para Ingeniería</a:t>
+              <a:t>Analítica de datos y herramientas de inteligencia artificial</a:t>
             </a:r>
           </a:p>
         </p:txBody>
